--- a/Senior-Projects/Keuzetool Office Management.pptx
+++ b/Senior-Projects/Keuzetool Office Management.pptx
@@ -114,6 +114,11 @@
       </a:defRPr>
     </a:lvl9pPr>
   </p:defaultTextStyle>
+  <p:extLst>
+    <p:ext uri="{EFAFB233-063F-42B5-8137-9DF3F51BA10A}">
+      <p15:sldGuideLst xmlns:p15="http://schemas.microsoft.com/office/powerpoint/2012/main"/>
+    </p:ext>
+  </p:extLst>
 </p:presentation>
 </file>
 
@@ -272,7 +277,7 @@
           <a:p>
             <a:fld id="{CA430C0A-5464-4FE4-84EB-FF9C94016DF4}" type="datetimeFigureOut">
               <a:rPr lang="en-US" dirty="0"/>
-              <a:t>10/13/2016</a:t>
+              <a:t>10/20/2016</a:t>
             </a:fld>
             <a:endParaRPr lang="en-US" dirty="0"/>
           </a:p>
@@ -438,7 +443,7 @@
           <a:p>
             <a:fld id="{E9F9C37B-1D36-470B-8223-D6C91242EC14}" type="datetimeFigureOut">
               <a:rPr lang="en-US" dirty="0"/>
-              <a:t>10/13/2016</a:t>
+              <a:t>10/20/2016</a:t>
             </a:fld>
             <a:endParaRPr lang="en-US" dirty="0"/>
           </a:p>
@@ -613,7 +618,7 @@
           <a:p>
             <a:fld id="{67C6F52A-A82B-47A2-A83A-8C4C91F2D59F}" type="datetimeFigureOut">
               <a:rPr lang="en-US" dirty="0"/>
-              <a:t>10/13/2016</a:t>
+              <a:t>10/20/2016</a:t>
             </a:fld>
             <a:endParaRPr lang="en-US" dirty="0"/>
           </a:p>
@@ -778,7 +783,7 @@
           <a:p>
             <a:fld id="{F070A7B3-6521-4DCA-87E5-044747A908C1}" type="datetimeFigureOut">
               <a:rPr lang="en-US" dirty="0"/>
-              <a:t>10/13/2016</a:t>
+              <a:t>10/20/2016</a:t>
             </a:fld>
             <a:endParaRPr lang="en-US" dirty="0"/>
           </a:p>
@@ -1034,7 +1039,7 @@
           <a:p>
             <a:fld id="{360C6404-AD6E-4860-8E75-697CA40B95DA}" type="datetimeFigureOut">
               <a:rPr lang="en-US" dirty="0"/>
-              <a:t>10/13/2016</a:t>
+              <a:t>10/20/2016</a:t>
             </a:fld>
             <a:endParaRPr lang="en-US" dirty="0"/>
           </a:p>
@@ -1262,7 +1267,7 @@
           <a:p>
             <a:fld id="{AB134690-1557-4C89-A502-4959FE7FAD70}" type="datetimeFigureOut">
               <a:rPr lang="en-US" dirty="0"/>
-              <a:t>10/13/2016</a:t>
+              <a:t>10/20/2016</a:t>
             </a:fld>
             <a:endParaRPr lang="en-US" dirty="0"/>
           </a:p>
@@ -1612,7 +1617,7 @@
           <a:p>
             <a:fld id="{4F7D4976-E339-4826-83B7-FBD03F55ECF8}" type="datetimeFigureOut">
               <a:rPr lang="en-US" dirty="0"/>
-              <a:t>10/13/2016</a:t>
+              <a:t>10/20/2016</a:t>
             </a:fld>
             <a:endParaRPr lang="en-US" dirty="0"/>
           </a:p>
@@ -1748,7 +1753,7 @@
           <a:p>
             <a:fld id="{E1037C31-9E7A-4F99-8774-A0E530DE1A42}" type="datetimeFigureOut">
               <a:rPr lang="en-US" dirty="0"/>
-              <a:t>10/13/2016</a:t>
+              <a:t>10/20/2016</a:t>
             </a:fld>
             <a:endParaRPr lang="en-US" dirty="0"/>
           </a:p>
@@ -1838,7 +1843,7 @@
           <a:p>
             <a:fld id="{C278504F-A551-4DE0-9316-4DCD1D8CC752}" type="datetimeFigureOut">
               <a:rPr lang="en-US" dirty="0"/>
-              <a:t>10/13/2016</a:t>
+              <a:t>10/20/2016</a:t>
             </a:fld>
             <a:endParaRPr lang="en-US" dirty="0"/>
           </a:p>
@@ -2190,7 +2195,7 @@
           <a:p>
             <a:fld id="{D1BE4249-C0D0-4B06-8692-E8BB871AF643}" type="datetimeFigureOut">
               <a:rPr lang="en-US" dirty="0"/>
-              <a:t>10/13/2016</a:t>
+              <a:t>10/20/2016</a:t>
             </a:fld>
             <a:endParaRPr lang="en-US" dirty="0"/>
           </a:p>
@@ -2503,7 +2508,7 @@
           <a:p>
             <a:fld id="{042B0DB6-F5C7-45FB-8CF3-31B45F9C2DAC}" type="datetimeFigureOut">
               <a:rPr lang="en-US" dirty="0"/>
-              <a:t>10/13/2016</a:t>
+              <a:t>10/20/2016</a:t>
             </a:fld>
             <a:endParaRPr lang="en-US" dirty="0"/>
           </a:p>
@@ -2742,7 +2747,7 @@
           <a:p>
             <a:fld id="{1160EA64-D806-43AC-9DF2-F8C432F32B4C}" type="datetimeFigureOut">
               <a:rPr lang="en-US" dirty="0"/>
-              <a:t>10/13/2016</a:t>
+              <a:t>10/20/2016</a:t>
             </a:fld>
             <a:endParaRPr lang="en-US" dirty="0"/>
           </a:p>
@@ -4249,14 +4254,7 @@
           <a:lstStyle/>
           <a:p>
             <a:r>
-              <a:rPr lang="nl-BE" dirty="0" err="1"/>
-              <a:t>Laravel</a:t>
-            </a:r>
-            <a:endParaRPr lang="nl-BE" dirty="0"/>
-          </a:p>
-          <a:p>
-            <a:r>
-              <a:rPr lang="nl-BE" dirty="0" err="1"/>
+              <a:rPr lang="nl-BE"/>
               <a:t>Wireframes</a:t>
             </a:r>
             <a:endParaRPr lang="nl-BE" dirty="0"/>

--- a/Senior-Projects/Keuzetool Office Management.pptx
+++ b/Senior-Projects/Keuzetool Office Management.pptx
@@ -13,9 +13,13 @@
     <p:sldId id="261" r:id="rId7"/>
     <p:sldId id="262" r:id="rId8"/>
     <p:sldId id="263" r:id="rId9"/>
-    <p:sldId id="264" r:id="rId10"/>
-    <p:sldId id="265" r:id="rId11"/>
-    <p:sldId id="266" r:id="rId12"/>
+    <p:sldId id="267" r:id="rId10"/>
+    <p:sldId id="268" r:id="rId11"/>
+    <p:sldId id="270" r:id="rId12"/>
+    <p:sldId id="269" r:id="rId13"/>
+    <p:sldId id="264" r:id="rId14"/>
+    <p:sldId id="265" r:id="rId15"/>
+    <p:sldId id="266" r:id="rId16"/>
   </p:sldIdLst>
   <p:sldSz cx="12192000" cy="6858000"/>
   <p:notesSz cx="6858000" cy="9144000"/>
@@ -3274,6 +3278,364 @@
       </p:grpSpPr>
       <p:sp>
         <p:nvSpPr>
+          <p:cNvPr id="2" name="Titel 1"/>
+          <p:cNvSpPr>
+            <a:spLocks noGrp="1"/>
+          </p:cNvSpPr>
+          <p:nvPr>
+            <p:ph type="title"/>
+          </p:nvPr>
+        </p:nvSpPr>
+        <p:spPr/>
+        <p:txBody>
+          <a:bodyPr/>
+          <a:lstStyle/>
+          <a:p>
+            <a:r>
+              <a:rPr lang="nl-BE" dirty="0"/>
+              <a:t>Concept</a:t>
+            </a:r>
+          </a:p>
+        </p:txBody>
+      </p:sp>
+      <p:pic>
+        <p:nvPicPr>
+          <p:cNvPr id="4" name="Tijdelijke aanduiding voor inhoud 3"/>
+          <p:cNvPicPr>
+            <a:picLocks noGrp="1" noChangeAspect="1"/>
+          </p:cNvPicPr>
+          <p:nvPr>
+            <p:ph idx="1"/>
+          </p:nvPr>
+        </p:nvPicPr>
+        <p:blipFill>
+          <a:blip r:embed="rId2">
+            <a:extLst>
+              <a:ext uri="{28A0092B-C50C-407E-A947-70E740481C1C}">
+                <a14:useLocalDpi xmlns:a14="http://schemas.microsoft.com/office/drawing/2010/main" val="0"/>
+              </a:ext>
+            </a:extLst>
+          </a:blip>
+          <a:stretch>
+            <a:fillRect/>
+          </a:stretch>
+        </p:blipFill>
+        <p:spPr>
+          <a:xfrm>
+            <a:off x="2616926" y="2232434"/>
+            <a:ext cx="6958148" cy="3913958"/>
+          </a:xfrm>
+        </p:spPr>
+      </p:pic>
+    </p:spTree>
+    <p:extLst>
+      <p:ext uri="{BB962C8B-B14F-4D97-AF65-F5344CB8AC3E}">
+        <p14:creationId xmlns:p14="http://schemas.microsoft.com/office/powerpoint/2010/main" val="434183046"/>
+      </p:ext>
+    </p:extLst>
+  </p:cSld>
+  <p:clrMapOvr>
+    <a:masterClrMapping/>
+  </p:clrMapOvr>
+</p:sld>
+</file>
+
+<file path=ppt/slides/slide11.xml><?xml version="1.0" encoding="utf-8"?>
+<p:sld xmlns:a="http://schemas.openxmlformats.org/drawingml/2006/main" xmlns:r="http://schemas.openxmlformats.org/officeDocument/2006/relationships" xmlns:p="http://schemas.openxmlformats.org/presentationml/2006/main">
+  <p:cSld>
+    <p:spTree>
+      <p:nvGrpSpPr>
+        <p:cNvPr id="1" name=""/>
+        <p:cNvGrpSpPr/>
+        <p:nvPr/>
+      </p:nvGrpSpPr>
+      <p:grpSpPr>
+        <a:xfrm>
+          <a:off x="0" y="0"/>
+          <a:ext cx="0" cy="0"/>
+          <a:chOff x="0" y="0"/>
+          <a:chExt cx="0" cy="0"/>
+        </a:xfrm>
+      </p:grpSpPr>
+      <p:sp>
+        <p:nvSpPr>
+          <p:cNvPr id="2" name="Titel 1"/>
+          <p:cNvSpPr>
+            <a:spLocks noGrp="1"/>
+          </p:cNvSpPr>
+          <p:nvPr>
+            <p:ph type="title"/>
+          </p:nvPr>
+        </p:nvSpPr>
+        <p:spPr/>
+        <p:txBody>
+          <a:bodyPr/>
+          <a:lstStyle/>
+          <a:p>
+            <a:r>
+              <a:rPr lang="nl-BE" dirty="0"/>
+              <a:t>Concept</a:t>
+            </a:r>
+          </a:p>
+        </p:txBody>
+      </p:sp>
+      <p:pic>
+        <p:nvPicPr>
+          <p:cNvPr id="4" name="Tijdelijke aanduiding voor inhoud 3"/>
+          <p:cNvPicPr>
+            <a:picLocks noGrp="1" noChangeAspect="1"/>
+          </p:cNvPicPr>
+          <p:nvPr>
+            <p:ph idx="1"/>
+          </p:nvPr>
+        </p:nvPicPr>
+        <p:blipFill>
+          <a:blip r:embed="rId2">
+            <a:extLst>
+              <a:ext uri="{28A0092B-C50C-407E-A947-70E740481C1C}">
+                <a14:useLocalDpi xmlns:a14="http://schemas.microsoft.com/office/drawing/2010/main" val="0"/>
+              </a:ext>
+            </a:extLst>
+          </a:blip>
+          <a:stretch>
+            <a:fillRect/>
+          </a:stretch>
+        </p:blipFill>
+        <p:spPr>
+          <a:xfrm>
+            <a:off x="2616926" y="2232434"/>
+            <a:ext cx="6958148" cy="3913958"/>
+          </a:xfrm>
+        </p:spPr>
+      </p:pic>
+    </p:spTree>
+    <p:extLst>
+      <p:ext uri="{BB962C8B-B14F-4D97-AF65-F5344CB8AC3E}">
+        <p14:creationId xmlns:p14="http://schemas.microsoft.com/office/powerpoint/2010/main" val="2396398942"/>
+      </p:ext>
+    </p:extLst>
+  </p:cSld>
+  <p:clrMapOvr>
+    <a:masterClrMapping/>
+  </p:clrMapOvr>
+</p:sld>
+</file>
+
+<file path=ppt/slides/slide12.xml><?xml version="1.0" encoding="utf-8"?>
+<p:sld xmlns:a="http://schemas.openxmlformats.org/drawingml/2006/main" xmlns:r="http://schemas.openxmlformats.org/officeDocument/2006/relationships" xmlns:p="http://schemas.openxmlformats.org/presentationml/2006/main">
+  <p:cSld>
+    <p:spTree>
+      <p:nvGrpSpPr>
+        <p:cNvPr id="1" name=""/>
+        <p:cNvGrpSpPr/>
+        <p:nvPr/>
+      </p:nvGrpSpPr>
+      <p:grpSpPr>
+        <a:xfrm>
+          <a:off x="0" y="0"/>
+          <a:ext cx="0" cy="0"/>
+          <a:chOff x="0" y="0"/>
+          <a:chExt cx="0" cy="0"/>
+        </a:xfrm>
+      </p:grpSpPr>
+      <p:sp>
+        <p:nvSpPr>
+          <p:cNvPr id="2" name="Titel 1"/>
+          <p:cNvSpPr>
+            <a:spLocks noGrp="1"/>
+          </p:cNvSpPr>
+          <p:nvPr>
+            <p:ph type="title"/>
+          </p:nvPr>
+        </p:nvSpPr>
+        <p:spPr/>
+        <p:txBody>
+          <a:bodyPr/>
+          <a:lstStyle/>
+          <a:p>
+            <a:r>
+              <a:rPr lang="nl-BE" dirty="0"/>
+              <a:t>Concept</a:t>
+            </a:r>
+          </a:p>
+        </p:txBody>
+      </p:sp>
+      <p:pic>
+        <p:nvPicPr>
+          <p:cNvPr id="4" name="Tijdelijke aanduiding voor inhoud 3"/>
+          <p:cNvPicPr>
+            <a:picLocks noGrp="1" noChangeAspect="1"/>
+          </p:cNvPicPr>
+          <p:nvPr>
+            <p:ph idx="1"/>
+          </p:nvPr>
+        </p:nvPicPr>
+        <p:blipFill>
+          <a:blip r:embed="rId2">
+            <a:extLst>
+              <a:ext uri="{28A0092B-C50C-407E-A947-70E740481C1C}">
+                <a14:useLocalDpi xmlns:a14="http://schemas.microsoft.com/office/drawing/2010/main" val="0"/>
+              </a:ext>
+            </a:extLst>
+          </a:blip>
+          <a:stretch>
+            <a:fillRect/>
+          </a:stretch>
+        </p:blipFill>
+        <p:spPr>
+          <a:xfrm>
+            <a:off x="2616926" y="2232434"/>
+            <a:ext cx="6958148" cy="3913958"/>
+          </a:xfrm>
+        </p:spPr>
+      </p:pic>
+    </p:spTree>
+    <p:extLst>
+      <p:ext uri="{BB962C8B-B14F-4D97-AF65-F5344CB8AC3E}">
+        <p14:creationId xmlns:p14="http://schemas.microsoft.com/office/powerpoint/2010/main" val="2120868119"/>
+      </p:ext>
+    </p:extLst>
+  </p:cSld>
+  <p:clrMapOvr>
+    <a:masterClrMapping/>
+  </p:clrMapOvr>
+</p:sld>
+</file>
+
+<file path=ppt/slides/slide13.xml><?xml version="1.0" encoding="utf-8"?>
+<p:sld xmlns:a="http://schemas.openxmlformats.org/drawingml/2006/main" xmlns:r="http://schemas.openxmlformats.org/officeDocument/2006/relationships" xmlns:p="http://schemas.openxmlformats.org/presentationml/2006/main">
+  <p:cSld>
+    <p:spTree>
+      <p:nvGrpSpPr>
+        <p:cNvPr id="1" name=""/>
+        <p:cNvGrpSpPr/>
+        <p:nvPr/>
+      </p:nvGrpSpPr>
+      <p:grpSpPr>
+        <a:xfrm>
+          <a:off x="0" y="0"/>
+          <a:ext cx="0" cy="0"/>
+          <a:chOff x="0" y="0"/>
+          <a:chExt cx="0" cy="0"/>
+        </a:xfrm>
+      </p:grpSpPr>
+      <p:sp>
+        <p:nvSpPr>
+          <p:cNvPr id="2" name="Titel 1"/>
+          <p:cNvSpPr>
+            <a:spLocks noGrp="1"/>
+          </p:cNvSpPr>
+          <p:nvPr>
+            <p:ph type="title"/>
+          </p:nvPr>
+        </p:nvSpPr>
+        <p:spPr/>
+        <p:txBody>
+          <a:bodyPr/>
+          <a:lstStyle/>
+          <a:p>
+            <a:r>
+              <a:rPr lang="nl-BE" dirty="0"/>
+              <a:t>Aanpak</a:t>
+            </a:r>
+          </a:p>
+        </p:txBody>
+      </p:sp>
+      <p:sp>
+        <p:nvSpPr>
+          <p:cNvPr id="3" name="Tijdelijke aanduiding voor inhoud 2"/>
+          <p:cNvSpPr>
+            <a:spLocks noGrp="1"/>
+          </p:cNvSpPr>
+          <p:nvPr>
+            <p:ph idx="1"/>
+          </p:nvPr>
+        </p:nvSpPr>
+        <p:spPr/>
+        <p:txBody>
+          <a:bodyPr/>
+          <a:lstStyle/>
+          <a:p>
+            <a:r>
+              <a:rPr lang="nl-BE" dirty="0" err="1"/>
+              <a:t>Back-End</a:t>
+            </a:r>
+            <a:r>
+              <a:rPr lang="nl-BE" dirty="0"/>
+              <a:t>:</a:t>
+            </a:r>
+          </a:p>
+          <a:p>
+            <a:pPr lvl="1"/>
+            <a:r>
+              <a:rPr lang="nl-BE" dirty="0"/>
+              <a:t>Piotr</a:t>
+            </a:r>
+          </a:p>
+          <a:p>
+            <a:pPr lvl="1"/>
+            <a:r>
+              <a:rPr lang="nl-BE" dirty="0"/>
+              <a:t>Seppe</a:t>
+            </a:r>
+          </a:p>
+          <a:p>
+            <a:pPr lvl="1"/>
+            <a:r>
+              <a:rPr lang="nl-BE" dirty="0"/>
+              <a:t>Siebe</a:t>
+            </a:r>
+          </a:p>
+          <a:p>
+            <a:endParaRPr lang="nl-BE" dirty="0"/>
+          </a:p>
+          <a:p>
+            <a:r>
+              <a:rPr lang="nl-BE" dirty="0"/>
+              <a:t>Front-End:</a:t>
+            </a:r>
+          </a:p>
+          <a:p>
+            <a:pPr lvl="1"/>
+            <a:r>
+              <a:rPr lang="nl-BE" dirty="0"/>
+              <a:t>Lander</a:t>
+            </a:r>
+          </a:p>
+        </p:txBody>
+      </p:sp>
+    </p:spTree>
+    <p:extLst>
+      <p:ext uri="{BB962C8B-B14F-4D97-AF65-F5344CB8AC3E}">
+        <p14:creationId xmlns:p14="http://schemas.microsoft.com/office/powerpoint/2010/main" val="3888938690"/>
+      </p:ext>
+    </p:extLst>
+  </p:cSld>
+  <p:clrMapOvr>
+    <a:masterClrMapping/>
+  </p:clrMapOvr>
+</p:sld>
+</file>
+
+<file path=ppt/slides/slide14.xml><?xml version="1.0" encoding="utf-8"?>
+<p:sld xmlns:a="http://schemas.openxmlformats.org/drawingml/2006/main" xmlns:r="http://schemas.openxmlformats.org/officeDocument/2006/relationships" xmlns:p="http://schemas.openxmlformats.org/presentationml/2006/main">
+  <p:cSld>
+    <p:spTree>
+      <p:nvGrpSpPr>
+        <p:cNvPr id="1" name=""/>
+        <p:cNvGrpSpPr/>
+        <p:nvPr/>
+      </p:nvGrpSpPr>
+      <p:grpSpPr>
+        <a:xfrm>
+          <a:off x="0" y="0"/>
+          <a:ext cx="0" cy="0"/>
+          <a:chOff x="0" y="0"/>
+          <a:chExt cx="0" cy="0"/>
+        </a:xfrm>
+      </p:grpSpPr>
+      <p:sp>
+        <p:nvSpPr>
           <p:cNvPr id="3" name="Tijdelijke aanduiding voor inhoud 2"/>
           <p:cNvSpPr>
             <a:spLocks noGrp="1"/>
@@ -3364,7 +3726,7 @@
 </p:sld>
 </file>
 
-<file path=ppt/slides/slide11.xml><?xml version="1.0" encoding="utf-8"?>
+<file path=ppt/slides/slide15.xml><?xml version="1.0" encoding="utf-8"?>
 <p:sld xmlns:a="http://schemas.openxmlformats.org/drawingml/2006/main" xmlns:r="http://schemas.openxmlformats.org/officeDocument/2006/relationships" xmlns:p="http://schemas.openxmlformats.org/presentationml/2006/main">
   <p:cSld>
     <p:spTree>
@@ -4238,29 +4600,35 @@
           </a:p>
         </p:txBody>
       </p:sp>
-      <p:sp>
-        <p:nvSpPr>
-          <p:cNvPr id="3" name="Tijdelijke aanduiding voor inhoud 2"/>
-          <p:cNvSpPr>
-            <a:spLocks noGrp="1"/>
-          </p:cNvSpPr>
+      <p:pic>
+        <p:nvPicPr>
+          <p:cNvPr id="4" name="Tijdelijke aanduiding voor inhoud 3"/>
+          <p:cNvPicPr>
+            <a:picLocks noGrp="1" noChangeAspect="1"/>
+          </p:cNvPicPr>
           <p:nvPr>
             <p:ph idx="1"/>
           </p:nvPr>
-        </p:nvSpPr>
-        <p:spPr/>
-        <p:txBody>
-          <a:bodyPr/>
-          <a:lstStyle/>
-          <a:p>
-            <a:r>
-              <a:rPr lang="nl-BE"/>
-              <a:t>Wireframes</a:t>
-            </a:r>
-            <a:endParaRPr lang="nl-BE" dirty="0"/>
-          </a:p>
-        </p:txBody>
-      </p:sp>
+        </p:nvPicPr>
+        <p:blipFill>
+          <a:blip r:embed="rId2">
+            <a:extLst>
+              <a:ext uri="{28A0092B-C50C-407E-A947-70E740481C1C}">
+                <a14:useLocalDpi xmlns:a14="http://schemas.microsoft.com/office/drawing/2010/main" val="0"/>
+              </a:ext>
+            </a:extLst>
+          </a:blip>
+          <a:stretch>
+            <a:fillRect/>
+          </a:stretch>
+        </p:blipFill>
+        <p:spPr>
+          <a:xfrm>
+            <a:off x="2616926" y="2232433"/>
+            <a:ext cx="6958148" cy="3913960"/>
+          </a:xfrm>
+        </p:spPr>
+      </p:pic>
     </p:spTree>
     <p:extLst>
       <p:ext uri="{BB962C8B-B14F-4D97-AF65-F5344CB8AC3E}">
@@ -4308,78 +4676,44 @@
           <a:p>
             <a:r>
               <a:rPr lang="nl-BE" dirty="0"/>
-              <a:t>Aanpak</a:t>
-            </a:r>
-          </a:p>
-        </p:txBody>
-      </p:sp>
-      <p:sp>
-        <p:nvSpPr>
-          <p:cNvPr id="3" name="Tijdelijke aanduiding voor inhoud 2"/>
-          <p:cNvSpPr>
-            <a:spLocks noGrp="1"/>
-          </p:cNvSpPr>
+              <a:t>Concept</a:t>
+            </a:r>
+          </a:p>
+        </p:txBody>
+      </p:sp>
+      <p:pic>
+        <p:nvPicPr>
+          <p:cNvPr id="4" name="Tijdelijke aanduiding voor inhoud 3"/>
+          <p:cNvPicPr>
+            <a:picLocks noGrp="1" noChangeAspect="1"/>
+          </p:cNvPicPr>
           <p:nvPr>
             <p:ph idx="1"/>
           </p:nvPr>
-        </p:nvSpPr>
-        <p:spPr/>
-        <p:txBody>
-          <a:bodyPr/>
-          <a:lstStyle/>
-          <a:p>
-            <a:r>
-              <a:rPr lang="nl-BE" dirty="0" err="1"/>
-              <a:t>Back-End</a:t>
-            </a:r>
-            <a:r>
-              <a:rPr lang="nl-BE" dirty="0"/>
-              <a:t>:</a:t>
-            </a:r>
-          </a:p>
-          <a:p>
-            <a:pPr lvl="1"/>
-            <a:r>
-              <a:rPr lang="nl-BE" dirty="0"/>
-              <a:t>Piotr</a:t>
-            </a:r>
-          </a:p>
-          <a:p>
-            <a:pPr lvl="1"/>
-            <a:r>
-              <a:rPr lang="nl-BE" dirty="0"/>
-              <a:t>Seppe</a:t>
-            </a:r>
-          </a:p>
-          <a:p>
-            <a:pPr lvl="1"/>
-            <a:r>
-              <a:rPr lang="nl-BE" dirty="0"/>
-              <a:t>Siebe</a:t>
-            </a:r>
-          </a:p>
-          <a:p>
-            <a:endParaRPr lang="nl-BE" dirty="0"/>
-          </a:p>
-          <a:p>
-            <a:r>
-              <a:rPr lang="nl-BE" dirty="0"/>
-              <a:t>Front-End:</a:t>
-            </a:r>
-          </a:p>
-          <a:p>
-            <a:pPr lvl="1"/>
-            <a:r>
-              <a:rPr lang="nl-BE" dirty="0"/>
-              <a:t>Lander</a:t>
-            </a:r>
-          </a:p>
-        </p:txBody>
-      </p:sp>
+        </p:nvPicPr>
+        <p:blipFill>
+          <a:blip r:embed="rId2">
+            <a:extLst>
+              <a:ext uri="{28A0092B-C50C-407E-A947-70E740481C1C}">
+                <a14:useLocalDpi xmlns:a14="http://schemas.microsoft.com/office/drawing/2010/main" val="0"/>
+              </a:ext>
+            </a:extLst>
+          </a:blip>
+          <a:stretch>
+            <a:fillRect/>
+          </a:stretch>
+        </p:blipFill>
+        <p:spPr>
+          <a:xfrm>
+            <a:off x="2616926" y="2232434"/>
+            <a:ext cx="6958148" cy="3913958"/>
+          </a:xfrm>
+        </p:spPr>
+      </p:pic>
     </p:spTree>
     <p:extLst>
       <p:ext uri="{BB962C8B-B14F-4D97-AF65-F5344CB8AC3E}">
-        <p14:creationId xmlns:p14="http://schemas.microsoft.com/office/powerpoint/2010/main" val="3888938690"/>
+        <p14:creationId xmlns:p14="http://schemas.microsoft.com/office/powerpoint/2010/main" val="1854640530"/>
       </p:ext>
     </p:extLst>
   </p:cSld>

--- a/Senior-Projects/Keuzetool Office Management.pptx
+++ b/Senior-Projects/Keuzetool Office Management.pptx
@@ -281,7 +281,7 @@
           <a:p>
             <a:fld id="{CA430C0A-5464-4FE4-84EB-FF9C94016DF4}" type="datetimeFigureOut">
               <a:rPr lang="en-US" dirty="0"/>
-              <a:t>10/20/2016</a:t>
+              <a:t>10/27/2016</a:t>
             </a:fld>
             <a:endParaRPr lang="en-US" dirty="0"/>
           </a:p>
@@ -447,7 +447,7 @@
           <a:p>
             <a:fld id="{E9F9C37B-1D36-470B-8223-D6C91242EC14}" type="datetimeFigureOut">
               <a:rPr lang="en-US" dirty="0"/>
-              <a:t>10/20/2016</a:t>
+              <a:t>10/27/2016</a:t>
             </a:fld>
             <a:endParaRPr lang="en-US" dirty="0"/>
           </a:p>
@@ -622,7 +622,7 @@
           <a:p>
             <a:fld id="{67C6F52A-A82B-47A2-A83A-8C4C91F2D59F}" type="datetimeFigureOut">
               <a:rPr lang="en-US" dirty="0"/>
-              <a:t>10/20/2016</a:t>
+              <a:t>10/27/2016</a:t>
             </a:fld>
             <a:endParaRPr lang="en-US" dirty="0"/>
           </a:p>
@@ -787,7 +787,7 @@
           <a:p>
             <a:fld id="{F070A7B3-6521-4DCA-87E5-044747A908C1}" type="datetimeFigureOut">
               <a:rPr lang="en-US" dirty="0"/>
-              <a:t>10/20/2016</a:t>
+              <a:t>10/27/2016</a:t>
             </a:fld>
             <a:endParaRPr lang="en-US" dirty="0"/>
           </a:p>
@@ -1043,7 +1043,7 @@
           <a:p>
             <a:fld id="{360C6404-AD6E-4860-8E75-697CA40B95DA}" type="datetimeFigureOut">
               <a:rPr lang="en-US" dirty="0"/>
-              <a:t>10/20/2016</a:t>
+              <a:t>10/27/2016</a:t>
             </a:fld>
             <a:endParaRPr lang="en-US" dirty="0"/>
           </a:p>
@@ -1271,7 +1271,7 @@
           <a:p>
             <a:fld id="{AB134690-1557-4C89-A502-4959FE7FAD70}" type="datetimeFigureOut">
               <a:rPr lang="en-US" dirty="0"/>
-              <a:t>10/20/2016</a:t>
+              <a:t>10/27/2016</a:t>
             </a:fld>
             <a:endParaRPr lang="en-US" dirty="0"/>
           </a:p>
@@ -1621,7 +1621,7 @@
           <a:p>
             <a:fld id="{4F7D4976-E339-4826-83B7-FBD03F55ECF8}" type="datetimeFigureOut">
               <a:rPr lang="en-US" dirty="0"/>
-              <a:t>10/20/2016</a:t>
+              <a:t>10/27/2016</a:t>
             </a:fld>
             <a:endParaRPr lang="en-US" dirty="0"/>
           </a:p>
@@ -1757,7 +1757,7 @@
           <a:p>
             <a:fld id="{E1037C31-9E7A-4F99-8774-A0E530DE1A42}" type="datetimeFigureOut">
               <a:rPr lang="en-US" dirty="0"/>
-              <a:t>10/20/2016</a:t>
+              <a:t>10/27/2016</a:t>
             </a:fld>
             <a:endParaRPr lang="en-US" dirty="0"/>
           </a:p>
@@ -1847,7 +1847,7 @@
           <a:p>
             <a:fld id="{C278504F-A551-4DE0-9316-4DCD1D8CC752}" type="datetimeFigureOut">
               <a:rPr lang="en-US" dirty="0"/>
-              <a:t>10/20/2016</a:t>
+              <a:t>10/27/2016</a:t>
             </a:fld>
             <a:endParaRPr lang="en-US" dirty="0"/>
           </a:p>
@@ -2199,7 +2199,7 @@
           <a:p>
             <a:fld id="{D1BE4249-C0D0-4B06-8692-E8BB871AF643}" type="datetimeFigureOut">
               <a:rPr lang="en-US" dirty="0"/>
-              <a:t>10/20/2016</a:t>
+              <a:t>10/27/2016</a:t>
             </a:fld>
             <a:endParaRPr lang="en-US" dirty="0"/>
           </a:p>
@@ -2512,7 +2512,7 @@
           <a:p>
             <a:fld id="{042B0DB6-F5C7-45FB-8CF3-31B45F9C2DAC}" type="datetimeFigureOut">
               <a:rPr lang="en-US" dirty="0"/>
-              <a:t>10/20/2016</a:t>
+              <a:t>10/27/2016</a:t>
             </a:fld>
             <a:endParaRPr lang="en-US" dirty="0"/>
           </a:p>
@@ -2751,7 +2751,7 @@
           <a:p>
             <a:fld id="{1160EA64-D806-43AC-9DF2-F8C432F32B4C}" type="datetimeFigureOut">
               <a:rPr lang="en-US" dirty="0"/>
-              <a:t>10/20/2016</a:t>
+              <a:t>10/27/2016</a:t>
             </a:fld>
             <a:endParaRPr lang="en-US" dirty="0"/>
           </a:p>
@@ -4355,16 +4355,10 @@
           <a:p>
             <a:pPr lvl="1"/>
             <a:r>
-              <a:rPr lang="nl-BE" dirty="0"/>
+              <a:rPr lang="nl-BE"/>
               <a:t>Spreiding</a:t>
             </a:r>
-          </a:p>
-          <a:p>
-            <a:pPr lvl="1"/>
-            <a:r>
-              <a:rPr lang="nl-BE" dirty="0"/>
-              <a:t>Toeters en bellen</a:t>
-            </a:r>
+            <a:endParaRPr lang="nl-BE" dirty="0"/>
           </a:p>
           <a:p>
             <a:pPr lvl="1"/>
@@ -4461,6 +4455,13 @@
             <a:r>
               <a:rPr lang="nl-BE" dirty="0"/>
               <a:t>FIFO </a:t>
+            </a:r>
+          </a:p>
+          <a:p>
+            <a:pPr lvl="1"/>
+            <a:r>
+              <a:rPr lang="nl-BE" dirty="0"/>
+              <a:t>Toeters en bellen</a:t>
             </a:r>
           </a:p>
         </p:txBody>
